--- a/Kiss_Mate_Szabolcs_T2DFZO_feldolgozasi_sebesseg_gyorsitas.pptx
+++ b/Kiss_Mate_Szabolcs_T2DFZO_feldolgozasi_sebesseg_gyorsitas.pptx
@@ -11202,7 +11202,7 @@
           <a:p>
             <a:fld id="{0B99D0FD-1142-4D86-B888-BA8DBFF8953D}" type="datetimeFigureOut">
               <a:rPr lang="hu-HU" smtClean="0"/>
-              <a:t>2022. 01. 26.</a:t>
+              <a:t>2022. 01. 27.</a:t>
             </a:fld>
             <a:endParaRPr lang="hu-HU"/>
           </a:p>
@@ -11513,7 +11513,7 @@
           <a:p>
             <a:fld id="{0B99D0FD-1142-4D86-B888-BA8DBFF8953D}" type="datetimeFigureOut">
               <a:rPr lang="hu-HU" smtClean="0"/>
-              <a:t>2022. 01. 26.</a:t>
+              <a:t>2022. 01. 27.</a:t>
             </a:fld>
             <a:endParaRPr lang="hu-HU"/>
           </a:p>
@@ -11801,7 +11801,7 @@
           <a:p>
             <a:fld id="{0B99D0FD-1142-4D86-B888-BA8DBFF8953D}" type="datetimeFigureOut">
               <a:rPr lang="hu-HU" smtClean="0"/>
-              <a:t>2022. 01. 26.</a:t>
+              <a:t>2022. 01. 27.</a:t>
             </a:fld>
             <a:endParaRPr lang="hu-HU"/>
           </a:p>
@@ -11999,7 +11999,7 @@
           <a:p>
             <a:fld id="{0B99D0FD-1142-4D86-B888-BA8DBFF8953D}" type="datetimeFigureOut">
               <a:rPr lang="hu-HU" smtClean="0"/>
-              <a:t>2022. 01. 26.</a:t>
+              <a:t>2022. 01. 27.</a:t>
             </a:fld>
             <a:endParaRPr lang="hu-HU"/>
           </a:p>
@@ -12207,7 +12207,7 @@
           <a:p>
             <a:fld id="{0B99D0FD-1142-4D86-B888-BA8DBFF8953D}" type="datetimeFigureOut">
               <a:rPr lang="hu-HU" smtClean="0"/>
-              <a:t>2022. 01. 26.</a:t>
+              <a:t>2022. 01. 27.</a:t>
             </a:fld>
             <a:endParaRPr lang="hu-HU"/>
           </a:p>
@@ -14035,7 +14035,7 @@
           <a:p>
             <a:fld id="{0B99D0FD-1142-4D86-B888-BA8DBFF8953D}" type="datetimeFigureOut">
               <a:rPr lang="hu-HU" smtClean="0"/>
-              <a:t>2022. 01. 26.</a:t>
+              <a:t>2022. 01. 27.</a:t>
             </a:fld>
             <a:endParaRPr lang="hu-HU"/>
           </a:p>
@@ -14233,7 +14233,7 @@
           <a:p>
             <a:fld id="{0B99D0FD-1142-4D86-B888-BA8DBFF8953D}" type="datetimeFigureOut">
               <a:rPr lang="hu-HU" smtClean="0"/>
-              <a:t>2022. 01. 26.</a:t>
+              <a:t>2022. 01. 27.</a:t>
             </a:fld>
             <a:endParaRPr lang="hu-HU"/>
           </a:p>
@@ -14508,7 +14508,7 @@
           <a:p>
             <a:fld id="{0B99D0FD-1142-4D86-B888-BA8DBFF8953D}" type="datetimeFigureOut">
               <a:rPr lang="hu-HU" smtClean="0"/>
-              <a:t>2022. 01. 26.</a:t>
+              <a:t>2022. 01. 27.</a:t>
             </a:fld>
             <a:endParaRPr lang="hu-HU"/>
           </a:p>
@@ -14773,7 +14773,7 @@
           <a:p>
             <a:fld id="{0B99D0FD-1142-4D86-B888-BA8DBFF8953D}" type="datetimeFigureOut">
               <a:rPr lang="hu-HU" smtClean="0"/>
-              <a:t>2022. 01. 26.</a:t>
+              <a:t>2022. 01. 27.</a:t>
             </a:fld>
             <a:endParaRPr lang="hu-HU"/>
           </a:p>
@@ -15185,7 +15185,7 @@
           <a:p>
             <a:fld id="{0B99D0FD-1142-4D86-B888-BA8DBFF8953D}" type="datetimeFigureOut">
               <a:rPr lang="hu-HU" smtClean="0"/>
-              <a:t>2022. 01. 26.</a:t>
+              <a:t>2022. 01. 27.</a:t>
             </a:fld>
             <a:endParaRPr lang="hu-HU"/>
           </a:p>
@@ -15326,7 +15326,7 @@
           <a:p>
             <a:fld id="{0B99D0FD-1142-4D86-B888-BA8DBFF8953D}" type="datetimeFigureOut">
               <a:rPr lang="hu-HU" smtClean="0"/>
-              <a:t>2022. 01. 26.</a:t>
+              <a:t>2022. 01. 27.</a:t>
             </a:fld>
             <a:endParaRPr lang="hu-HU"/>
           </a:p>
@@ -16933,7 +16933,7 @@
           <a:p>
             <a:fld id="{0B99D0FD-1142-4D86-B888-BA8DBFF8953D}" type="datetimeFigureOut">
               <a:rPr lang="hu-HU" smtClean="0"/>
-              <a:t>2022. 01. 26.</a:t>
+              <a:t>2022. 01. 27.</a:t>
             </a:fld>
             <a:endParaRPr lang="hu-HU"/>
           </a:p>
@@ -18608,15 +18608,7 @@
             </a:pPr>
             <a:r>
               <a:rPr lang="hu-HU" sz="2400" b="1" spc="200" dirty="0"/>
-              <a:t>Megoldás: </a:t>
-            </a:r>
-            <a:r>
-              <a:rPr lang="hu-HU" sz="2400" b="1" spc="200" dirty="0" err="1"/>
-              <a:t>Hetegorén</a:t>
-            </a:r>
-            <a:r>
-              <a:rPr lang="hu-HU" sz="2400" b="1" spc="200" dirty="0"/>
-              <a:t> munkavégzés</a:t>
+              <a:t>Megoldás: Heterogén munkavégzés</a:t>
             </a:r>
           </a:p>
           <a:p>
@@ -19036,7 +19028,7 @@
               </a:lnSpc>
             </a:pPr>
             <a:r>
-              <a:rPr lang="hu-HU" sz="2400" b="1" spc="200" dirty="0"/>
+              <a:rPr lang="hu-HU" sz="2400" spc="200" dirty="0"/>
               <a:t>Absztrakció</a:t>
             </a:r>
           </a:p>
@@ -19047,7 +19039,7 @@
               </a:lnSpc>
             </a:pPr>
             <a:r>
-              <a:rPr lang="hu-HU" sz="2400" b="1" spc="200" dirty="0"/>
+              <a:rPr lang="hu-HU" sz="2400" spc="200" dirty="0"/>
               <a:t>Specifikáció</a:t>
             </a:r>
           </a:p>
@@ -19058,7 +19050,7 @@
               </a:lnSpc>
             </a:pPr>
             <a:r>
-              <a:rPr lang="hu-HU" sz="2400" b="1" spc="200" dirty="0"/>
+              <a:rPr lang="hu-HU" sz="2400" spc="200" dirty="0"/>
               <a:t>Kódegyesítés</a:t>
             </a:r>
           </a:p>
